--- a/UFO Slide.pptx
+++ b/UFO Slide.pptx
@@ -4030,7 +4030,7 @@
         <p:spPr>
           <a:xfrm>
             <a:off x="5102087" y="1231144"/>
-            <a:ext cx="6900097" cy="4524315"/>
+            <a:ext cx="6900097" cy="5016758"/>
           </a:xfrm>
           <a:prstGeom prst="rect">
             <a:avLst/>
@@ -4067,7 +4067,7 @@
                 <a:latin typeface="Gill Sans MT" panose="020B0502020104020203" pitchFamily="34" charset="0"/>
                 <a:cs typeface="Calibri Light"/>
               </a:rPr>
-              <a:t>into Excel and pushed to a database system (MySQL and PostgreSQL).</a:t>
+              <a:t>into Excel and pushed to a database system (MySQL, MSSQL Server and PostgreSQL).</a:t>
             </a:r>
           </a:p>
           <a:p>
@@ -6582,12 +6582,9 @@
 </file>
 
 <file path=customXml/item1.xml><?xml version="1.0" encoding="utf-8"?>
-<?mso-contentType ?>
-<FormTemplates xmlns="http://schemas.microsoft.com/sharepoint/v3/contenttype/forms">
-  <Display>DocumentLibraryForm</Display>
-  <Edit>DocumentLibraryForm</Edit>
-  <New>DocumentLibraryForm</New>
-</FormTemplates>
+<p:properties xmlns:p="http://schemas.microsoft.com/office/2006/metadata/properties" xmlns:xsi="http://www.w3.org/2001/XMLSchema-instance" xmlns:pc="http://schemas.microsoft.com/office/infopath/2007/PartnerControls">
+  <documentManagement/>
+</p:properties>
 </file>
 
 <file path=customXml/item2.xml><?xml version="1.0" encoding="utf-8"?>
@@ -6723,15 +6720,19 @@
 </file>
 
 <file path=customXml/item3.xml><?xml version="1.0" encoding="utf-8"?>
-<p:properties xmlns:p="http://schemas.microsoft.com/office/2006/metadata/properties" xmlns:xsi="http://www.w3.org/2001/XMLSchema-instance" xmlns:pc="http://schemas.microsoft.com/office/infopath/2007/PartnerControls">
-  <documentManagement/>
-</p:properties>
+<?mso-contentType ?>
+<FormTemplates xmlns="http://schemas.microsoft.com/sharepoint/v3/contenttype/forms">
+  <Display>DocumentLibraryForm</Display>
+  <Edit>DocumentLibraryForm</Edit>
+  <New>DocumentLibraryForm</New>
+</FormTemplates>
 </file>
 
 <file path=customXml/itemProps1.xml><?xml version="1.0" encoding="utf-8"?>
-<ds:datastoreItem xmlns:ds="http://schemas.openxmlformats.org/officeDocument/2006/customXml" ds:itemID="{41F87F6F-909F-453A-AC4B-5EC7E6AA6A45}">
+<ds:datastoreItem xmlns:ds="http://schemas.openxmlformats.org/officeDocument/2006/customXml" ds:itemID="{42FEA3A4-B98B-44CB-B624-911DB3913FDD}">
   <ds:schemaRefs>
-    <ds:schemaRef ds:uri="http://schemas.microsoft.com/sharepoint/v3/contenttype/forms"/>
+    <ds:schemaRef ds:uri="http://schemas.microsoft.com/office/2006/metadata/properties"/>
+    <ds:schemaRef ds:uri="http://schemas.microsoft.com/office/infopath/2007/PartnerControls"/>
   </ds:schemaRefs>
 </ds:datastoreItem>
 </file>
@@ -6755,10 +6756,9 @@
 </file>
 
 <file path=customXml/itemProps3.xml><?xml version="1.0" encoding="utf-8"?>
-<ds:datastoreItem xmlns:ds="http://schemas.openxmlformats.org/officeDocument/2006/customXml" ds:itemID="{42FEA3A4-B98B-44CB-B624-911DB3913FDD}">
+<ds:datastoreItem xmlns:ds="http://schemas.openxmlformats.org/officeDocument/2006/customXml" ds:itemID="{41F87F6F-909F-453A-AC4B-5EC7E6AA6A45}">
   <ds:schemaRefs>
-    <ds:schemaRef ds:uri="http://schemas.microsoft.com/office/2006/metadata/properties"/>
-    <ds:schemaRef ds:uri="http://schemas.microsoft.com/office/infopath/2007/PartnerControls"/>
+    <ds:schemaRef ds:uri="http://schemas.microsoft.com/sharepoint/v3/contenttype/forms"/>
   </ds:schemaRefs>
 </ds:datastoreItem>
 </file>